--- a/Workshops/UNIT 2/HW_27_Inspection/Team1.pptx
+++ b/Workshops/UNIT 2/HW_27_Inspection/Team1.pptx
@@ -109,6 +109,11 @@
       </a:defRPr>
     </a:lvl9pPr>
   </p:defaultTextStyle>
+  <p:extLst>
+    <p:ext uri="{EFAFB233-063F-42B5-8137-9DF3F51BA10A}">
+      <p15:sldGuideLst xmlns:p15="http://schemas.microsoft.com/office/powerpoint/2012/main"/>
+    </p:ext>
+  </p:extLst>
 </p:presentation>
 </file>
 
@@ -243,7 +248,7 @@
           <a:p>
             <a:fld id="{1D02A8FA-AF83-437E-A131-C3077A2A30AE}" type="datetimeFigureOut">
               <a:rPr lang="en-US" smtClean="0"/>
-              <a:t>12/22/2019</a:t>
+              <a:t>1/20/2020</a:t>
             </a:fld>
             <a:endParaRPr lang="en-US"/>
           </a:p>
@@ -413,7 +418,7 @@
           <a:p>
             <a:fld id="{1D02A8FA-AF83-437E-A131-C3077A2A30AE}" type="datetimeFigureOut">
               <a:rPr lang="en-US" smtClean="0"/>
-              <a:t>12/22/2019</a:t>
+              <a:t>1/20/2020</a:t>
             </a:fld>
             <a:endParaRPr lang="en-US"/>
           </a:p>
@@ -593,7 +598,7 @@
           <a:p>
             <a:fld id="{1D02A8FA-AF83-437E-A131-C3077A2A30AE}" type="datetimeFigureOut">
               <a:rPr lang="en-US" smtClean="0"/>
-              <a:t>12/22/2019</a:t>
+              <a:t>1/20/2020</a:t>
             </a:fld>
             <a:endParaRPr lang="en-US"/>
           </a:p>
@@ -763,7 +768,7 @@
           <a:p>
             <a:fld id="{1D02A8FA-AF83-437E-A131-C3077A2A30AE}" type="datetimeFigureOut">
               <a:rPr lang="en-US" smtClean="0"/>
-              <a:t>12/22/2019</a:t>
+              <a:t>1/20/2020</a:t>
             </a:fld>
             <a:endParaRPr lang="en-US"/>
           </a:p>
@@ -1009,7 +1014,7 @@
           <a:p>
             <a:fld id="{1D02A8FA-AF83-437E-A131-C3077A2A30AE}" type="datetimeFigureOut">
               <a:rPr lang="en-US" smtClean="0"/>
-              <a:t>12/22/2019</a:t>
+              <a:t>1/20/2020</a:t>
             </a:fld>
             <a:endParaRPr lang="en-US"/>
           </a:p>
@@ -1241,7 +1246,7 @@
           <a:p>
             <a:fld id="{1D02A8FA-AF83-437E-A131-C3077A2A30AE}" type="datetimeFigureOut">
               <a:rPr lang="en-US" smtClean="0"/>
-              <a:t>12/22/2019</a:t>
+              <a:t>1/20/2020</a:t>
             </a:fld>
             <a:endParaRPr lang="en-US"/>
           </a:p>
@@ -1608,7 +1613,7 @@
           <a:p>
             <a:fld id="{1D02A8FA-AF83-437E-A131-C3077A2A30AE}" type="datetimeFigureOut">
               <a:rPr lang="en-US" smtClean="0"/>
-              <a:t>12/22/2019</a:t>
+              <a:t>1/20/2020</a:t>
             </a:fld>
             <a:endParaRPr lang="en-US"/>
           </a:p>
@@ -1726,7 +1731,7 @@
           <a:p>
             <a:fld id="{1D02A8FA-AF83-437E-A131-C3077A2A30AE}" type="datetimeFigureOut">
               <a:rPr lang="en-US" smtClean="0"/>
-              <a:t>12/22/2019</a:t>
+              <a:t>1/20/2020</a:t>
             </a:fld>
             <a:endParaRPr lang="en-US"/>
           </a:p>
@@ -1821,7 +1826,7 @@
           <a:p>
             <a:fld id="{1D02A8FA-AF83-437E-A131-C3077A2A30AE}" type="datetimeFigureOut">
               <a:rPr lang="en-US" smtClean="0"/>
-              <a:t>12/22/2019</a:t>
+              <a:t>1/20/2020</a:t>
             </a:fld>
             <a:endParaRPr lang="en-US"/>
           </a:p>
@@ -2098,7 +2103,7 @@
           <a:p>
             <a:fld id="{1D02A8FA-AF83-437E-A131-C3077A2A30AE}" type="datetimeFigureOut">
               <a:rPr lang="en-US" smtClean="0"/>
-              <a:t>12/22/2019</a:t>
+              <a:t>1/20/2020</a:t>
             </a:fld>
             <a:endParaRPr lang="en-US"/>
           </a:p>
@@ -2351,7 +2356,7 @@
           <a:p>
             <a:fld id="{1D02A8FA-AF83-437E-A131-C3077A2A30AE}" type="datetimeFigureOut">
               <a:rPr lang="en-US" smtClean="0"/>
-              <a:t>12/22/2019</a:t>
+              <a:t>1/20/2020</a:t>
             </a:fld>
             <a:endParaRPr lang="en-US"/>
           </a:p>
@@ -2564,7 +2569,7 @@
           <a:p>
             <a:fld id="{1D02A8FA-AF83-437E-A131-C3077A2A30AE}" type="datetimeFigureOut">
               <a:rPr lang="en-US" smtClean="0"/>
-              <a:t>12/22/2019</a:t>
+              <a:t>1/20/2020</a:t>
             </a:fld>
             <a:endParaRPr lang="en-US"/>
           </a:p>
@@ -3115,7 +3120,7 @@
         </p:blipFill>
         <p:spPr>
           <a:xfrm>
-            <a:off x="-3048000" y="-1714500"/>
+            <a:off x="-3048000" y="-1701800"/>
             <a:ext cx="18288000" cy="10287000"/>
           </a:xfrm>
           <a:prstGeom prst="rect">
